--- a/Side-Meeting/IETF-124/Slides/IETF124-I2ICF-Side-Meeting-Agenda.pptx
+++ b/Side-Meeting/IETF-124/Slides/IETF124-I2ICF-Side-Meeting-Agenda.pptx
@@ -200,7 +200,7 @@
           <a:p>
             <a:fld id="{12C653F7-3966-4096-9B47-182DEBAD0EB7}" type="datetimeFigureOut">
               <a:rPr lang="en-US" smtClean="0"/>
-              <a:t>11/3/2025</a:t>
+              <a:t>11/4/2025</a:t>
             </a:fld>
             <a:endParaRPr lang="en-US"/>
           </a:p>
@@ -9895,11 +9895,11 @@
             </a:r>
             <a:r>
               <a:rPr lang="en-US" altLang="ko-KR" dirty="0" err="1"/>
-              <a:t>Jisuk</a:t>
+              <a:t>Mose</a:t>
             </a:r>
             <a:r>
               <a:rPr lang="en-US" altLang="ko-KR" dirty="0"/>
-              <a:t> Chae (SKKU)</a:t>
+              <a:t> Gu (SKKU)</a:t>
             </a:r>
           </a:p>
           <a:p>
